--- a/프레젠테이션1.pptx
+++ b/프레젠테이션1.pptx
@@ -289,7 +289,7 @@
           <a:p>
             <a:fld id="{7747F944-1BE4-41B8-A0BC-C4D90034917C}" type="datetimeFigureOut">
               <a:rPr lang="ko-KR" altLang="en-US" smtClean="0"/>
-              <a:t>2019-08-23</a:t>
+              <a:t>2019-08-30</a:t>
             </a:fld>
             <a:endParaRPr lang="ko-KR" altLang="en-US"/>
           </a:p>
@@ -459,7 +459,7 @@
           <a:p>
             <a:fld id="{7747F944-1BE4-41B8-A0BC-C4D90034917C}" type="datetimeFigureOut">
               <a:rPr lang="ko-KR" altLang="en-US" smtClean="0"/>
-              <a:t>2019-08-23</a:t>
+              <a:t>2019-08-30</a:t>
             </a:fld>
             <a:endParaRPr lang="ko-KR" altLang="en-US"/>
           </a:p>
@@ -639,7 +639,7 @@
           <a:p>
             <a:fld id="{7747F944-1BE4-41B8-A0BC-C4D90034917C}" type="datetimeFigureOut">
               <a:rPr lang="ko-KR" altLang="en-US" smtClean="0"/>
-              <a:t>2019-08-23</a:t>
+              <a:t>2019-08-30</a:t>
             </a:fld>
             <a:endParaRPr lang="ko-KR" altLang="en-US"/>
           </a:p>
@@ -809,7 +809,7 @@
           <a:p>
             <a:fld id="{7747F944-1BE4-41B8-A0BC-C4D90034917C}" type="datetimeFigureOut">
               <a:rPr lang="ko-KR" altLang="en-US" smtClean="0"/>
-              <a:t>2019-08-23</a:t>
+              <a:t>2019-08-30</a:t>
             </a:fld>
             <a:endParaRPr lang="ko-KR" altLang="en-US"/>
           </a:p>
@@ -1055,7 +1055,7 @@
           <a:p>
             <a:fld id="{7747F944-1BE4-41B8-A0BC-C4D90034917C}" type="datetimeFigureOut">
               <a:rPr lang="ko-KR" altLang="en-US" smtClean="0"/>
-              <a:t>2019-08-23</a:t>
+              <a:t>2019-08-30</a:t>
             </a:fld>
             <a:endParaRPr lang="ko-KR" altLang="en-US"/>
           </a:p>
@@ -1343,7 +1343,7 @@
           <a:p>
             <a:fld id="{7747F944-1BE4-41B8-A0BC-C4D90034917C}" type="datetimeFigureOut">
               <a:rPr lang="ko-KR" altLang="en-US" smtClean="0"/>
-              <a:t>2019-08-23</a:t>
+              <a:t>2019-08-30</a:t>
             </a:fld>
             <a:endParaRPr lang="ko-KR" altLang="en-US"/>
           </a:p>
@@ -1765,7 +1765,7 @@
           <a:p>
             <a:fld id="{7747F944-1BE4-41B8-A0BC-C4D90034917C}" type="datetimeFigureOut">
               <a:rPr lang="ko-KR" altLang="en-US" smtClean="0"/>
-              <a:t>2019-08-23</a:t>
+              <a:t>2019-08-30</a:t>
             </a:fld>
             <a:endParaRPr lang="ko-KR" altLang="en-US"/>
           </a:p>
@@ -1883,7 +1883,7 @@
           <a:p>
             <a:fld id="{7747F944-1BE4-41B8-A0BC-C4D90034917C}" type="datetimeFigureOut">
               <a:rPr lang="ko-KR" altLang="en-US" smtClean="0"/>
-              <a:t>2019-08-23</a:t>
+              <a:t>2019-08-30</a:t>
             </a:fld>
             <a:endParaRPr lang="ko-KR" altLang="en-US"/>
           </a:p>
@@ -1978,7 +1978,7 @@
           <a:p>
             <a:fld id="{7747F944-1BE4-41B8-A0BC-C4D90034917C}" type="datetimeFigureOut">
               <a:rPr lang="ko-KR" altLang="en-US" smtClean="0"/>
-              <a:t>2019-08-23</a:t>
+              <a:t>2019-08-30</a:t>
             </a:fld>
             <a:endParaRPr lang="ko-KR" altLang="en-US"/>
           </a:p>
@@ -2255,7 +2255,7 @@
           <a:p>
             <a:fld id="{7747F944-1BE4-41B8-A0BC-C4D90034917C}" type="datetimeFigureOut">
               <a:rPr lang="ko-KR" altLang="en-US" smtClean="0"/>
-              <a:t>2019-08-23</a:t>
+              <a:t>2019-08-30</a:t>
             </a:fld>
             <a:endParaRPr lang="ko-KR" altLang="en-US"/>
           </a:p>
@@ -2508,7 +2508,7 @@
           <a:p>
             <a:fld id="{7747F944-1BE4-41B8-A0BC-C4D90034917C}" type="datetimeFigureOut">
               <a:rPr lang="ko-KR" altLang="en-US" smtClean="0"/>
-              <a:t>2019-08-23</a:t>
+              <a:t>2019-08-30</a:t>
             </a:fld>
             <a:endParaRPr lang="ko-KR" altLang="en-US"/>
           </a:p>
@@ -2721,7 +2721,7 @@
           <a:p>
             <a:fld id="{7747F944-1BE4-41B8-A0BC-C4D90034917C}" type="datetimeFigureOut">
               <a:rPr lang="ko-KR" altLang="en-US" smtClean="0"/>
-              <a:t>2019-08-23</a:t>
+              <a:t>2019-08-30</a:t>
             </a:fld>
             <a:endParaRPr lang="ko-KR" altLang="en-US"/>
           </a:p>
@@ -3145,7 +3145,7 @@
         </p:nvGrpSpPr>
         <p:grpSpPr>
           <a:xfrm>
-            <a:off x="827584" y="-3421954"/>
+            <a:off x="8250510" y="-4191991"/>
             <a:ext cx="3528392" cy="6262896"/>
             <a:chOff x="827584" y="-3421954"/>
             <a:chExt cx="6096000" cy="10820400"/>
@@ -3277,7 +3277,7 @@
         </p:blipFill>
         <p:spPr bwMode="auto">
           <a:xfrm>
-            <a:off x="9144000" y="-381000"/>
+            <a:off x="1979712" y="-177910"/>
             <a:ext cx="2647950" cy="3048000"/>
           </a:xfrm>
           <a:prstGeom prst="rect">
@@ -3346,6 +3346,86 @@
           </a:p>
         </p:txBody>
       </p:sp>
+      <p:pic>
+        <p:nvPicPr>
+          <p:cNvPr id="2" name="Picture 2" descr="C:\Users\TA-18\Documents\GitHub\Unity\char_kohakub_all.png"/>
+          <p:cNvPicPr>
+            <a:picLocks noChangeAspect="1" noChangeArrowheads="1"/>
+          </p:cNvPicPr>
+          <p:nvPr/>
+        </p:nvPicPr>
+        <p:blipFill rotWithShape="1">
+          <a:blip r:embed="rId4">
+            <a:extLst>
+              <a:ext uri="{28A0092B-C50C-407E-A947-70E740481C1C}">
+                <a14:useLocalDpi xmlns:a14="http://schemas.microsoft.com/office/drawing/2010/main" val="0"/>
+              </a:ext>
+            </a:extLst>
+          </a:blip>
+          <a:srcRect l="29299" r="46667" b="71833"/>
+          <a:stretch/>
+        </p:blipFill>
+        <p:spPr bwMode="auto">
+          <a:xfrm>
+            <a:off x="4788396" y="-177910"/>
+            <a:ext cx="2647950" cy="3048000"/>
+          </a:xfrm>
+          <a:prstGeom prst="rect">
+            <a:avLst/>
+          </a:prstGeom>
+          <a:noFill/>
+          <a:extLst>
+            <a:ext uri="{909E8E84-426E-40DD-AFC4-6F175D3DCCD1}">
+              <a14:hiddenFill xmlns:a14="http://schemas.microsoft.com/office/drawing/2010/main">
+                <a:solidFill>
+                  <a:srgbClr val="FFFFFF"/>
+                </a:solidFill>
+              </a14:hiddenFill>
+            </a:ext>
+          </a:extLst>
+        </p:spPr>
+      </p:pic>
+      <p:pic>
+        <p:nvPicPr>
+          <p:cNvPr id="1028" name="Picture 4" descr="the phantom knowledgeì ëí ì´ë¯¸ì§ ê²ìê²°ê³¼"/>
+          <p:cNvPicPr>
+            <a:picLocks noChangeAspect="1" noChangeArrowheads="1"/>
+          </p:cNvPicPr>
+          <p:nvPr/>
+        </p:nvPicPr>
+        <p:blipFill>
+          <a:blip r:embed="rId5">
+            <a:extLst>
+              <a:ext uri="{28A0092B-C50C-407E-A947-70E740481C1C}">
+                <a14:useLocalDpi xmlns:a14="http://schemas.microsoft.com/office/drawing/2010/main" val="0"/>
+              </a:ext>
+            </a:extLst>
+          </a:blip>
+          <a:srcRect/>
+          <a:stretch>
+            <a:fillRect/>
+          </a:stretch>
+        </p:blipFill>
+        <p:spPr bwMode="auto">
+          <a:xfrm>
+            <a:off x="-12305708" y="-3339753"/>
+            <a:ext cx="6209708" cy="11039481"/>
+          </a:xfrm>
+          <a:prstGeom prst="rect">
+            <a:avLst/>
+          </a:prstGeom>
+          <a:noFill/>
+          <a:extLst>
+            <a:ext uri="{909E8E84-426E-40DD-AFC4-6F175D3DCCD1}">
+              <a14:hiddenFill xmlns:a14="http://schemas.microsoft.com/office/drawing/2010/main">
+                <a:solidFill>
+                  <a:srgbClr val="FFFFFF"/>
+                </a:solidFill>
+              </a14:hiddenFill>
+            </a:ext>
+          </a:extLst>
+        </p:spPr>
+      </p:pic>
     </p:spTree>
     <p:extLst>
       <p:ext uri="{BB962C8B-B14F-4D97-AF65-F5344CB8AC3E}">
@@ -3504,7 +3584,7 @@
           <p:nvPr/>
         </p:nvPicPr>
         <p:blipFill rotWithShape="1">
-          <a:blip r:embed="rId3">
+          <a:blip>
             <a:extLst>
               <a:ext uri="{28A0092B-C50C-407E-A947-70E740481C1C}">
                 <a14:useLocalDpi xmlns:a14="http://schemas.microsoft.com/office/drawing/2010/main" val="0"/>
@@ -3543,7 +3623,7 @@
           <p:nvPr/>
         </p:nvPicPr>
         <p:blipFill rotWithShape="1">
-          <a:blip r:embed="rId3">
+          <a:blip>
             <a:extLst>
               <a:ext uri="{28A0092B-C50C-407E-A947-70E740481C1C}">
                 <a14:useLocalDpi xmlns:a14="http://schemas.microsoft.com/office/drawing/2010/main" val="0"/>
@@ -3582,7 +3662,7 @@
           <p:nvPr/>
         </p:nvPicPr>
         <p:blipFill rotWithShape="1">
-          <a:blip r:embed="rId4">
+          <a:blip>
             <a:extLst>
               <a:ext uri="{28A0092B-C50C-407E-A947-70E740481C1C}">
                 <a14:useLocalDpi xmlns:a14="http://schemas.microsoft.com/office/drawing/2010/main" val="0"/>
@@ -3621,7 +3701,7 @@
           <p:nvPr/>
         </p:nvPicPr>
         <p:blipFill rotWithShape="1">
-          <a:blip r:embed="rId4">
+          <a:blip>
             <a:extLst>
               <a:ext uri="{28A0092B-C50C-407E-A947-70E740481C1C}">
                 <a14:useLocalDpi xmlns:a14="http://schemas.microsoft.com/office/drawing/2010/main" val="0"/>

--- a/프레젠테이션1.pptx
+++ b/프레젠테이션1.pptx
@@ -105,6 +105,22 @@
       </a:defRPr>
     </a:lvl9pPr>
   </p:defaultTextStyle>
+  <p:extLst>
+    <p:ext uri="{EFAFB233-063F-42B5-8137-9DF3F51BA10A}">
+      <p15:sldGuideLst xmlns:p15="http://schemas.microsoft.com/office/powerpoint/2012/main">
+        <p15:guide id="1" orient="horz" pos="2160">
+          <p15:clr>
+            <a:srgbClr val="A4A3A4"/>
+          </p15:clr>
+        </p15:guide>
+        <p15:guide id="2" pos="2880">
+          <p15:clr>
+            <a:srgbClr val="A4A3A4"/>
+          </p15:clr>
+        </p15:guide>
+      </p15:sldGuideLst>
+    </p:ext>
+  </p:extLst>
 </p:presentation>
 </file>
 
@@ -289,7 +305,7 @@
           <a:p>
             <a:fld id="{7747F944-1BE4-41B8-A0BC-C4D90034917C}" type="datetimeFigureOut">
               <a:rPr lang="ko-KR" altLang="en-US" smtClean="0"/>
-              <a:t>2019-08-30</a:t>
+              <a:t>2019-08-31</a:t>
             </a:fld>
             <a:endParaRPr lang="ko-KR" altLang="en-US"/>
           </a:p>
@@ -459,7 +475,7 @@
           <a:p>
             <a:fld id="{7747F944-1BE4-41B8-A0BC-C4D90034917C}" type="datetimeFigureOut">
               <a:rPr lang="ko-KR" altLang="en-US" smtClean="0"/>
-              <a:t>2019-08-30</a:t>
+              <a:t>2019-08-31</a:t>
             </a:fld>
             <a:endParaRPr lang="ko-KR" altLang="en-US"/>
           </a:p>
@@ -639,7 +655,7 @@
           <a:p>
             <a:fld id="{7747F944-1BE4-41B8-A0BC-C4D90034917C}" type="datetimeFigureOut">
               <a:rPr lang="ko-KR" altLang="en-US" smtClean="0"/>
-              <a:t>2019-08-30</a:t>
+              <a:t>2019-08-31</a:t>
             </a:fld>
             <a:endParaRPr lang="ko-KR" altLang="en-US"/>
           </a:p>
@@ -809,7 +825,7 @@
           <a:p>
             <a:fld id="{7747F944-1BE4-41B8-A0BC-C4D90034917C}" type="datetimeFigureOut">
               <a:rPr lang="ko-KR" altLang="en-US" smtClean="0"/>
-              <a:t>2019-08-30</a:t>
+              <a:t>2019-08-31</a:t>
             </a:fld>
             <a:endParaRPr lang="ko-KR" altLang="en-US"/>
           </a:p>
@@ -1055,7 +1071,7 @@
           <a:p>
             <a:fld id="{7747F944-1BE4-41B8-A0BC-C4D90034917C}" type="datetimeFigureOut">
               <a:rPr lang="ko-KR" altLang="en-US" smtClean="0"/>
-              <a:t>2019-08-30</a:t>
+              <a:t>2019-08-31</a:t>
             </a:fld>
             <a:endParaRPr lang="ko-KR" altLang="en-US"/>
           </a:p>
@@ -1343,7 +1359,7 @@
           <a:p>
             <a:fld id="{7747F944-1BE4-41B8-A0BC-C4D90034917C}" type="datetimeFigureOut">
               <a:rPr lang="ko-KR" altLang="en-US" smtClean="0"/>
-              <a:t>2019-08-30</a:t>
+              <a:t>2019-08-31</a:t>
             </a:fld>
             <a:endParaRPr lang="ko-KR" altLang="en-US"/>
           </a:p>
@@ -1765,7 +1781,7 @@
           <a:p>
             <a:fld id="{7747F944-1BE4-41B8-A0BC-C4D90034917C}" type="datetimeFigureOut">
               <a:rPr lang="ko-KR" altLang="en-US" smtClean="0"/>
-              <a:t>2019-08-30</a:t>
+              <a:t>2019-08-31</a:t>
             </a:fld>
             <a:endParaRPr lang="ko-KR" altLang="en-US"/>
           </a:p>
@@ -1883,7 +1899,7 @@
           <a:p>
             <a:fld id="{7747F944-1BE4-41B8-A0BC-C4D90034917C}" type="datetimeFigureOut">
               <a:rPr lang="ko-KR" altLang="en-US" smtClean="0"/>
-              <a:t>2019-08-30</a:t>
+              <a:t>2019-08-31</a:t>
             </a:fld>
             <a:endParaRPr lang="ko-KR" altLang="en-US"/>
           </a:p>
@@ -1978,7 +1994,7 @@
           <a:p>
             <a:fld id="{7747F944-1BE4-41B8-A0BC-C4D90034917C}" type="datetimeFigureOut">
               <a:rPr lang="ko-KR" altLang="en-US" smtClean="0"/>
-              <a:t>2019-08-30</a:t>
+              <a:t>2019-08-31</a:t>
             </a:fld>
             <a:endParaRPr lang="ko-KR" altLang="en-US"/>
           </a:p>
@@ -2255,7 +2271,7 @@
           <a:p>
             <a:fld id="{7747F944-1BE4-41B8-A0BC-C4D90034917C}" type="datetimeFigureOut">
               <a:rPr lang="ko-KR" altLang="en-US" smtClean="0"/>
-              <a:t>2019-08-30</a:t>
+              <a:t>2019-08-31</a:t>
             </a:fld>
             <a:endParaRPr lang="ko-KR" altLang="en-US"/>
           </a:p>
@@ -2508,7 +2524,7 @@
           <a:p>
             <a:fld id="{7747F944-1BE4-41B8-A0BC-C4D90034917C}" type="datetimeFigureOut">
               <a:rPr lang="ko-KR" altLang="en-US" smtClean="0"/>
-              <a:t>2019-08-30</a:t>
+              <a:t>2019-08-31</a:t>
             </a:fld>
             <a:endParaRPr lang="ko-KR" altLang="en-US"/>
           </a:p>
@@ -2721,7 +2737,7 @@
           <a:p>
             <a:fld id="{7747F944-1BE4-41B8-A0BC-C4D90034917C}" type="datetimeFigureOut">
               <a:rPr lang="ko-KR" altLang="en-US" smtClean="0"/>
-              <a:t>2019-08-30</a:t>
+              <a:t>2019-08-31</a:t>
             </a:fld>
             <a:endParaRPr lang="ko-KR" altLang="en-US"/>
           </a:p>
@@ -3674,7 +3690,7 @@
         </p:blipFill>
         <p:spPr bwMode="auto">
           <a:xfrm>
-            <a:off x="98122" y="116632"/>
+            <a:off x="-8533456" y="116632"/>
             <a:ext cx="1854460" cy="4572000"/>
           </a:xfrm>
           <a:prstGeom prst="rect">

--- a/프레젠테이션1.pptx
+++ b/프레젠테이션1.pptx
@@ -7,6 +7,7 @@
   <p:sldIdLst>
     <p:sldId id="256" r:id="rId2"/>
     <p:sldId id="257" r:id="rId3"/>
+    <p:sldId id="258" r:id="rId4"/>
   </p:sldIdLst>
   <p:sldSz cx="9144000" cy="6858000" type="screen4x3"/>
   <p:notesSz cx="6858000" cy="9144000"/>
@@ -107,7 +108,7 @@
   </p:defaultTextStyle>
   <p:extLst>
     <p:ext uri="{EFAFB233-063F-42B5-8137-9DF3F51BA10A}">
-      <p15:sldGuideLst xmlns:p15="http://schemas.microsoft.com/office/powerpoint/2012/main">
+      <p15:sldGuideLst xmlns:p15="http://schemas.microsoft.com/office/powerpoint/2012/main" xmlns="">
         <p15:guide id="1" orient="horz" pos="2160">
           <p15:clr>
             <a:srgbClr val="A4A3A4"/>
@@ -305,7 +306,7 @@
           <a:p>
             <a:fld id="{7747F944-1BE4-41B8-A0BC-C4D90034917C}" type="datetimeFigureOut">
               <a:rPr lang="ko-KR" altLang="en-US" smtClean="0"/>
-              <a:t>2019-08-31</a:t>
+              <a:t>2019-09-02</a:t>
             </a:fld>
             <a:endParaRPr lang="ko-KR" altLang="en-US"/>
           </a:p>
@@ -475,7 +476,7 @@
           <a:p>
             <a:fld id="{7747F944-1BE4-41B8-A0BC-C4D90034917C}" type="datetimeFigureOut">
               <a:rPr lang="ko-KR" altLang="en-US" smtClean="0"/>
-              <a:t>2019-08-31</a:t>
+              <a:t>2019-09-02</a:t>
             </a:fld>
             <a:endParaRPr lang="ko-KR" altLang="en-US"/>
           </a:p>
@@ -655,7 +656,7 @@
           <a:p>
             <a:fld id="{7747F944-1BE4-41B8-A0BC-C4D90034917C}" type="datetimeFigureOut">
               <a:rPr lang="ko-KR" altLang="en-US" smtClean="0"/>
-              <a:t>2019-08-31</a:t>
+              <a:t>2019-09-02</a:t>
             </a:fld>
             <a:endParaRPr lang="ko-KR" altLang="en-US"/>
           </a:p>
@@ -825,7 +826,7 @@
           <a:p>
             <a:fld id="{7747F944-1BE4-41B8-A0BC-C4D90034917C}" type="datetimeFigureOut">
               <a:rPr lang="ko-KR" altLang="en-US" smtClean="0"/>
-              <a:t>2019-08-31</a:t>
+              <a:t>2019-09-02</a:t>
             </a:fld>
             <a:endParaRPr lang="ko-KR" altLang="en-US"/>
           </a:p>
@@ -1071,7 +1072,7 @@
           <a:p>
             <a:fld id="{7747F944-1BE4-41B8-A0BC-C4D90034917C}" type="datetimeFigureOut">
               <a:rPr lang="ko-KR" altLang="en-US" smtClean="0"/>
-              <a:t>2019-08-31</a:t>
+              <a:t>2019-09-02</a:t>
             </a:fld>
             <a:endParaRPr lang="ko-KR" altLang="en-US"/>
           </a:p>
@@ -1359,7 +1360,7 @@
           <a:p>
             <a:fld id="{7747F944-1BE4-41B8-A0BC-C4D90034917C}" type="datetimeFigureOut">
               <a:rPr lang="ko-KR" altLang="en-US" smtClean="0"/>
-              <a:t>2019-08-31</a:t>
+              <a:t>2019-09-02</a:t>
             </a:fld>
             <a:endParaRPr lang="ko-KR" altLang="en-US"/>
           </a:p>
@@ -1781,7 +1782,7 @@
           <a:p>
             <a:fld id="{7747F944-1BE4-41B8-A0BC-C4D90034917C}" type="datetimeFigureOut">
               <a:rPr lang="ko-KR" altLang="en-US" smtClean="0"/>
-              <a:t>2019-08-31</a:t>
+              <a:t>2019-09-02</a:t>
             </a:fld>
             <a:endParaRPr lang="ko-KR" altLang="en-US"/>
           </a:p>
@@ -1899,7 +1900,7 @@
           <a:p>
             <a:fld id="{7747F944-1BE4-41B8-A0BC-C4D90034917C}" type="datetimeFigureOut">
               <a:rPr lang="ko-KR" altLang="en-US" smtClean="0"/>
-              <a:t>2019-08-31</a:t>
+              <a:t>2019-09-02</a:t>
             </a:fld>
             <a:endParaRPr lang="ko-KR" altLang="en-US"/>
           </a:p>
@@ -1994,7 +1995,7 @@
           <a:p>
             <a:fld id="{7747F944-1BE4-41B8-A0BC-C4D90034917C}" type="datetimeFigureOut">
               <a:rPr lang="ko-KR" altLang="en-US" smtClean="0"/>
-              <a:t>2019-08-31</a:t>
+              <a:t>2019-09-02</a:t>
             </a:fld>
             <a:endParaRPr lang="ko-KR" altLang="en-US"/>
           </a:p>
@@ -2271,7 +2272,7 @@
           <a:p>
             <a:fld id="{7747F944-1BE4-41B8-A0BC-C4D90034917C}" type="datetimeFigureOut">
               <a:rPr lang="ko-KR" altLang="en-US" smtClean="0"/>
-              <a:t>2019-08-31</a:t>
+              <a:t>2019-09-02</a:t>
             </a:fld>
             <a:endParaRPr lang="ko-KR" altLang="en-US"/>
           </a:p>
@@ -2524,7 +2525,7 @@
           <a:p>
             <a:fld id="{7747F944-1BE4-41B8-A0BC-C4D90034917C}" type="datetimeFigureOut">
               <a:rPr lang="ko-KR" altLang="en-US" smtClean="0"/>
-              <a:t>2019-08-31</a:t>
+              <a:t>2019-09-02</a:t>
             </a:fld>
             <a:endParaRPr lang="ko-KR" altLang="en-US"/>
           </a:p>
@@ -2737,7 +2738,7 @@
           <a:p>
             <a:fld id="{7747F944-1BE4-41B8-A0BC-C4D90034917C}" type="datetimeFigureOut">
               <a:rPr lang="ko-KR" altLang="en-US" smtClean="0"/>
-              <a:t>2019-08-31</a:t>
+              <a:t>2019-09-02</a:t>
             </a:fld>
             <a:endParaRPr lang="ko-KR" altLang="en-US"/>
           </a:p>
@@ -3293,7 +3294,7 @@
         </p:blipFill>
         <p:spPr bwMode="auto">
           <a:xfrm>
-            <a:off x="1979712" y="-177910"/>
+            <a:off x="2140446" y="-177910"/>
             <a:ext cx="2647950" cy="3048000"/>
           </a:xfrm>
           <a:prstGeom prst="rect">
@@ -3792,6 +3793,427 @@
     <p:extLst>
       <p:ext uri="{BB962C8B-B14F-4D97-AF65-F5344CB8AC3E}">
         <p14:creationId xmlns:p14="http://schemas.microsoft.com/office/powerpoint/2010/main" val="2821960727"/>
+      </p:ext>
+    </p:extLst>
+  </p:cSld>
+  <p:clrMapOvr>
+    <a:masterClrMapping/>
+  </p:clrMapOvr>
+</p:sld>
+</file>
+
+<file path=ppt/slides/slide3.xml><?xml version="1.0" encoding="utf-8"?>
+<p:sld xmlns:a="http://schemas.openxmlformats.org/drawingml/2006/main" xmlns:r="http://schemas.openxmlformats.org/officeDocument/2006/relationships" xmlns:p="http://schemas.openxmlformats.org/presentationml/2006/main">
+  <p:cSld>
+    <p:spTree>
+      <p:nvGrpSpPr>
+        <p:cNvPr id="1" name=""/>
+        <p:cNvGrpSpPr/>
+        <p:nvPr/>
+      </p:nvGrpSpPr>
+      <p:grpSpPr>
+        <a:xfrm>
+          <a:off x="0" y="0"/>
+          <a:ext cx="0" cy="0"/>
+          <a:chOff x="0" y="0"/>
+          <a:chExt cx="0" cy="0"/>
+        </a:xfrm>
+      </p:grpSpPr>
+      <p:pic>
+        <p:nvPicPr>
+          <p:cNvPr id="4" name="Picture 3" descr="C:\Users\E-10\Downloads\UnityChanHead.png"/>
+          <p:cNvPicPr>
+            <a:picLocks noChangeAspect="1" noChangeArrowheads="1"/>
+          </p:cNvPicPr>
+          <p:nvPr/>
+        </p:nvPicPr>
+        <p:blipFill rotWithShape="1">
+          <a:blip r:embed="rId2">
+            <a:extLst>
+              <a:ext uri="{28A0092B-C50C-407E-A947-70E740481C1C}">
+                <a14:useLocalDpi xmlns:a14="http://schemas.microsoft.com/office/drawing/2010/main" val="0"/>
+              </a:ext>
+            </a:extLst>
+          </a:blip>
+          <a:srcRect l="12701" t="7734" r="24968" b="46090"/>
+          <a:stretch/>
+        </p:blipFill>
+        <p:spPr bwMode="auto">
+          <a:xfrm>
+            <a:off x="-4140968" y="-531440"/>
+            <a:ext cx="2647950" cy="3048000"/>
+          </a:xfrm>
+          <a:prstGeom prst="rect">
+            <a:avLst/>
+          </a:prstGeom>
+          <a:noFill/>
+          <a:extLst>
+            <a:ext uri="{909E8E84-426E-40DD-AFC4-6F175D3DCCD1}">
+              <a14:hiddenFill xmlns:a14="http://schemas.microsoft.com/office/drawing/2010/main">
+                <a:solidFill>
+                  <a:srgbClr val="FFFFFF"/>
+                </a:solidFill>
+              </a14:hiddenFill>
+            </a:ext>
+          </a:extLst>
+        </p:spPr>
+      </p:pic>
+      <p:pic>
+        <p:nvPicPr>
+          <p:cNvPr id="5" name="Picture 2" descr="C:\Users\TA-18\Documents\GitHub\Unity\char_kohakub_all.png"/>
+          <p:cNvPicPr>
+            <a:picLocks noChangeAspect="1" noChangeArrowheads="1"/>
+          </p:cNvPicPr>
+          <p:nvPr/>
+        </p:nvPicPr>
+        <p:blipFill rotWithShape="1">
+          <a:blip r:embed="rId3">
+            <a:extLst>
+              <a:ext uri="{28A0092B-C50C-407E-A947-70E740481C1C}">
+                <a14:useLocalDpi xmlns:a14="http://schemas.microsoft.com/office/drawing/2010/main" val="0"/>
+              </a:ext>
+            </a:extLst>
+          </a:blip>
+          <a:srcRect l="29299" r="46667" b="71833"/>
+          <a:stretch/>
+        </p:blipFill>
+        <p:spPr bwMode="auto">
+          <a:xfrm>
+            <a:off x="539552" y="-4203848"/>
+            <a:ext cx="2647950" cy="3048000"/>
+          </a:xfrm>
+          <a:prstGeom prst="rect">
+            <a:avLst/>
+          </a:prstGeom>
+          <a:noFill/>
+          <a:extLst>
+            <a:ext uri="{909E8E84-426E-40DD-AFC4-6F175D3DCCD1}">
+              <a14:hiddenFill xmlns:a14="http://schemas.microsoft.com/office/drawing/2010/main">
+                <a:solidFill>
+                  <a:srgbClr val="FFFFFF"/>
+                </a:solidFill>
+              </a14:hiddenFill>
+            </a:ext>
+          </a:extLst>
+        </p:spPr>
+      </p:pic>
+      <p:sp>
+        <p:nvSpPr>
+          <p:cNvPr id="13" name="원형 12"/>
+          <p:cNvSpPr/>
+          <p:nvPr/>
+        </p:nvSpPr>
+        <p:spPr>
+          <a:xfrm>
+            <a:off x="2339752" y="2536016"/>
+            <a:ext cx="2684784" cy="2684784"/>
+          </a:xfrm>
+          <a:prstGeom prst="pie">
+            <a:avLst>
+              <a:gd name="adj1" fmla="val 5421350"/>
+              <a:gd name="adj2" fmla="val 12890070"/>
+            </a:avLst>
+          </a:prstGeom>
+          <a:solidFill>
+            <a:srgbClr val="FF0000"/>
+          </a:solidFill>
+          <a:ln>
+            <a:solidFill>
+              <a:schemeClr val="tx1"/>
+            </a:solidFill>
+          </a:ln>
+        </p:spPr>
+        <p:style>
+          <a:lnRef idx="2">
+            <a:schemeClr val="accent1">
+              <a:shade val="50000"/>
+            </a:schemeClr>
+          </a:lnRef>
+          <a:fillRef idx="1">
+            <a:schemeClr val="accent1"/>
+          </a:fillRef>
+          <a:effectRef idx="0">
+            <a:schemeClr val="accent1"/>
+          </a:effectRef>
+          <a:fontRef idx="minor">
+            <a:schemeClr val="lt1"/>
+          </a:fontRef>
+        </p:style>
+        <p:txBody>
+          <a:bodyPr rtlCol="0" anchor="ctr"/>
+          <a:lstStyle/>
+          <a:p>
+            <a:pPr algn="ctr"/>
+            <a:endParaRPr lang="ko-KR" altLang="en-US">
+              <a:solidFill>
+                <a:schemeClr val="tx1"/>
+              </a:solidFill>
+            </a:endParaRPr>
+          </a:p>
+        </p:txBody>
+      </p:sp>
+      <p:sp>
+        <p:nvSpPr>
+          <p:cNvPr id="14" name="원형 13"/>
+          <p:cNvSpPr/>
+          <p:nvPr/>
+        </p:nvSpPr>
+        <p:spPr>
+          <a:xfrm>
+            <a:off x="6472904" y="2572408"/>
+            <a:ext cx="2684784" cy="2684784"/>
+          </a:xfrm>
+          <a:prstGeom prst="pie">
+            <a:avLst>
+              <a:gd name="adj1" fmla="val 19507311"/>
+              <a:gd name="adj2" fmla="val 5404129"/>
+            </a:avLst>
+          </a:prstGeom>
+          <a:solidFill>
+            <a:srgbClr val="FFFF00"/>
+          </a:solidFill>
+          <a:ln>
+            <a:solidFill>
+              <a:schemeClr val="tx1"/>
+            </a:solidFill>
+          </a:ln>
+        </p:spPr>
+        <p:style>
+          <a:lnRef idx="2">
+            <a:schemeClr val="accent1">
+              <a:shade val="50000"/>
+            </a:schemeClr>
+          </a:lnRef>
+          <a:fillRef idx="1">
+            <a:schemeClr val="accent1"/>
+          </a:fillRef>
+          <a:effectRef idx="0">
+            <a:schemeClr val="accent1"/>
+          </a:effectRef>
+          <a:fontRef idx="minor">
+            <a:schemeClr val="lt1"/>
+          </a:fontRef>
+        </p:style>
+        <p:txBody>
+          <a:bodyPr rtlCol="0" anchor="ctr"/>
+          <a:lstStyle/>
+          <a:p>
+            <a:pPr algn="ctr"/>
+            <a:endParaRPr lang="ko-KR" altLang="en-US">
+              <a:solidFill>
+                <a:schemeClr val="tx1"/>
+              </a:solidFill>
+            </a:endParaRPr>
+          </a:p>
+        </p:txBody>
+      </p:sp>
+      <p:sp>
+        <p:nvSpPr>
+          <p:cNvPr id="9" name="원형 8"/>
+          <p:cNvSpPr/>
+          <p:nvPr/>
+        </p:nvSpPr>
+        <p:spPr>
+          <a:xfrm>
+            <a:off x="4219464" y="2572408"/>
+            <a:ext cx="2684784" cy="2684784"/>
+          </a:xfrm>
+          <a:prstGeom prst="pie">
+            <a:avLst>
+              <a:gd name="adj1" fmla="val 12882311"/>
+              <a:gd name="adj2" fmla="val 19508364"/>
+            </a:avLst>
+          </a:prstGeom>
+          <a:solidFill>
+            <a:schemeClr val="bg1"/>
+          </a:solidFill>
+          <a:ln>
+            <a:solidFill>
+              <a:schemeClr val="tx1"/>
+            </a:solidFill>
+          </a:ln>
+        </p:spPr>
+        <p:style>
+          <a:lnRef idx="2">
+            <a:schemeClr val="accent1">
+              <a:shade val="50000"/>
+            </a:schemeClr>
+          </a:lnRef>
+          <a:fillRef idx="1">
+            <a:schemeClr val="accent1"/>
+          </a:fillRef>
+          <a:effectRef idx="0">
+            <a:schemeClr val="accent1"/>
+          </a:effectRef>
+          <a:fontRef idx="minor">
+            <a:schemeClr val="lt1"/>
+          </a:fontRef>
+        </p:style>
+        <p:txBody>
+          <a:bodyPr rtlCol="0" anchor="ctr"/>
+          <a:lstStyle/>
+          <a:p>
+            <a:pPr algn="ctr"/>
+            <a:endParaRPr lang="ko-KR" altLang="en-US">
+              <a:solidFill>
+                <a:schemeClr val="tx1"/>
+              </a:solidFill>
+            </a:endParaRPr>
+          </a:p>
+        </p:txBody>
+      </p:sp>
+      <p:sp>
+        <p:nvSpPr>
+          <p:cNvPr id="15" name="타원 14"/>
+          <p:cNvSpPr/>
+          <p:nvPr/>
+        </p:nvSpPr>
+        <p:spPr>
+          <a:xfrm>
+            <a:off x="4355976" y="2708920"/>
+            <a:ext cx="2411760" cy="2411760"/>
+          </a:xfrm>
+          <a:prstGeom prst="ellipse">
+            <a:avLst/>
+          </a:prstGeom>
+          <a:solidFill>
+            <a:schemeClr val="bg1"/>
+          </a:solidFill>
+          <a:ln>
+            <a:noFill/>
+          </a:ln>
+        </p:spPr>
+        <p:style>
+          <a:lnRef idx="2">
+            <a:schemeClr val="accent1">
+              <a:shade val="50000"/>
+            </a:schemeClr>
+          </a:lnRef>
+          <a:fillRef idx="1">
+            <a:schemeClr val="accent1"/>
+          </a:fillRef>
+          <a:effectRef idx="0">
+            <a:schemeClr val="accent1"/>
+          </a:effectRef>
+          <a:fontRef idx="minor">
+            <a:schemeClr val="lt1"/>
+          </a:fontRef>
+        </p:style>
+        <p:txBody>
+          <a:bodyPr rtlCol="0" anchor="ctr"/>
+          <a:lstStyle/>
+          <a:p>
+            <a:pPr algn="ctr"/>
+            <a:endParaRPr lang="ko-KR" altLang="en-US"/>
+          </a:p>
+        </p:txBody>
+      </p:sp>
+      <p:sp>
+        <p:nvSpPr>
+          <p:cNvPr id="6" name="타원 5"/>
+          <p:cNvSpPr/>
+          <p:nvPr/>
+        </p:nvSpPr>
+        <p:spPr>
+          <a:xfrm>
+            <a:off x="-86840" y="476672"/>
+            <a:ext cx="2411760" cy="2411760"/>
+          </a:xfrm>
+          <a:prstGeom prst="ellipse">
+            <a:avLst/>
+          </a:prstGeom>
+          <a:blipFill>
+            <a:blip r:embed="rId4"/>
+            <a:stretch>
+              <a:fillRect/>
+            </a:stretch>
+          </a:blipFill>
+          <a:ln>
+            <a:solidFill>
+              <a:schemeClr val="accent5"/>
+            </a:solidFill>
+          </a:ln>
+        </p:spPr>
+        <p:style>
+          <a:lnRef idx="2">
+            <a:schemeClr val="accent1">
+              <a:shade val="50000"/>
+            </a:schemeClr>
+          </a:lnRef>
+          <a:fillRef idx="1">
+            <a:schemeClr val="accent1"/>
+          </a:fillRef>
+          <a:effectRef idx="0">
+            <a:schemeClr val="accent1"/>
+          </a:effectRef>
+          <a:fontRef idx="minor">
+            <a:schemeClr val="lt1"/>
+          </a:fontRef>
+        </p:style>
+        <p:txBody>
+          <a:bodyPr rtlCol="0" anchor="ctr"/>
+          <a:lstStyle/>
+          <a:p>
+            <a:pPr algn="ctr"/>
+            <a:endParaRPr lang="ko-KR" altLang="en-US"/>
+          </a:p>
+        </p:txBody>
+      </p:sp>
+      <p:sp>
+        <p:nvSpPr>
+          <p:cNvPr id="7" name="타원 6"/>
+          <p:cNvSpPr/>
+          <p:nvPr/>
+        </p:nvSpPr>
+        <p:spPr>
+          <a:xfrm>
+            <a:off x="5074736" y="-213320"/>
+            <a:ext cx="2411760" cy="2411760"/>
+          </a:xfrm>
+          <a:prstGeom prst="ellipse">
+            <a:avLst/>
+          </a:prstGeom>
+          <a:blipFill>
+            <a:blip r:embed="rId5"/>
+            <a:stretch>
+              <a:fillRect/>
+            </a:stretch>
+          </a:blipFill>
+          <a:ln>
+            <a:solidFill>
+              <a:schemeClr val="accent5"/>
+            </a:solidFill>
+          </a:ln>
+        </p:spPr>
+        <p:style>
+          <a:lnRef idx="2">
+            <a:schemeClr val="accent1">
+              <a:shade val="50000"/>
+            </a:schemeClr>
+          </a:lnRef>
+          <a:fillRef idx="1">
+            <a:schemeClr val="accent1"/>
+          </a:fillRef>
+          <a:effectRef idx="0">
+            <a:schemeClr val="accent1"/>
+          </a:effectRef>
+          <a:fontRef idx="minor">
+            <a:schemeClr val="lt1"/>
+          </a:fontRef>
+        </p:style>
+        <p:txBody>
+          <a:bodyPr rtlCol="0" anchor="ctr"/>
+          <a:lstStyle/>
+          <a:p>
+            <a:pPr algn="ctr"/>
+            <a:endParaRPr lang="ko-KR" altLang="en-US"/>
+          </a:p>
+        </p:txBody>
+      </p:sp>
+    </p:spTree>
+    <p:extLst>
+      <p:ext uri="{BB962C8B-B14F-4D97-AF65-F5344CB8AC3E}">
+        <p14:creationId xmlns:p14="http://schemas.microsoft.com/office/powerpoint/2010/main" val="2176930687"/>
       </p:ext>
     </p:extLst>
   </p:cSld>

--- a/프레젠테이션1.pptx
+++ b/프레젠테이션1.pptx
@@ -108,7 +108,7 @@
   </p:defaultTextStyle>
   <p:extLst>
     <p:ext uri="{EFAFB233-063F-42B5-8137-9DF3F51BA10A}">
-      <p15:sldGuideLst xmlns:p15="http://schemas.microsoft.com/office/powerpoint/2012/main" xmlns="">
+      <p15:sldGuideLst xmlns="" xmlns:p15="http://schemas.microsoft.com/office/powerpoint/2012/main">
         <p15:guide id="1" orient="horz" pos="2160">
           <p15:clr>
             <a:srgbClr val="A4A3A4"/>
@@ -306,7 +306,7 @@
           <a:p>
             <a:fld id="{7747F944-1BE4-41B8-A0BC-C4D90034917C}" type="datetimeFigureOut">
               <a:rPr lang="ko-KR" altLang="en-US" smtClean="0"/>
-              <a:t>2019-09-02</a:t>
+              <a:t>2019-09-03</a:t>
             </a:fld>
             <a:endParaRPr lang="ko-KR" altLang="en-US"/>
           </a:p>
@@ -476,7 +476,7 @@
           <a:p>
             <a:fld id="{7747F944-1BE4-41B8-A0BC-C4D90034917C}" type="datetimeFigureOut">
               <a:rPr lang="ko-KR" altLang="en-US" smtClean="0"/>
-              <a:t>2019-09-02</a:t>
+              <a:t>2019-09-03</a:t>
             </a:fld>
             <a:endParaRPr lang="ko-KR" altLang="en-US"/>
           </a:p>
@@ -656,7 +656,7 @@
           <a:p>
             <a:fld id="{7747F944-1BE4-41B8-A0BC-C4D90034917C}" type="datetimeFigureOut">
               <a:rPr lang="ko-KR" altLang="en-US" smtClean="0"/>
-              <a:t>2019-09-02</a:t>
+              <a:t>2019-09-03</a:t>
             </a:fld>
             <a:endParaRPr lang="ko-KR" altLang="en-US"/>
           </a:p>
@@ -826,7 +826,7 @@
           <a:p>
             <a:fld id="{7747F944-1BE4-41B8-A0BC-C4D90034917C}" type="datetimeFigureOut">
               <a:rPr lang="ko-KR" altLang="en-US" smtClean="0"/>
-              <a:t>2019-09-02</a:t>
+              <a:t>2019-09-03</a:t>
             </a:fld>
             <a:endParaRPr lang="ko-KR" altLang="en-US"/>
           </a:p>
@@ -1072,7 +1072,7 @@
           <a:p>
             <a:fld id="{7747F944-1BE4-41B8-A0BC-C4D90034917C}" type="datetimeFigureOut">
               <a:rPr lang="ko-KR" altLang="en-US" smtClean="0"/>
-              <a:t>2019-09-02</a:t>
+              <a:t>2019-09-03</a:t>
             </a:fld>
             <a:endParaRPr lang="ko-KR" altLang="en-US"/>
           </a:p>
@@ -1360,7 +1360,7 @@
           <a:p>
             <a:fld id="{7747F944-1BE4-41B8-A0BC-C4D90034917C}" type="datetimeFigureOut">
               <a:rPr lang="ko-KR" altLang="en-US" smtClean="0"/>
-              <a:t>2019-09-02</a:t>
+              <a:t>2019-09-03</a:t>
             </a:fld>
             <a:endParaRPr lang="ko-KR" altLang="en-US"/>
           </a:p>
@@ -1782,7 +1782,7 @@
           <a:p>
             <a:fld id="{7747F944-1BE4-41B8-A0BC-C4D90034917C}" type="datetimeFigureOut">
               <a:rPr lang="ko-KR" altLang="en-US" smtClean="0"/>
-              <a:t>2019-09-02</a:t>
+              <a:t>2019-09-03</a:t>
             </a:fld>
             <a:endParaRPr lang="ko-KR" altLang="en-US"/>
           </a:p>
@@ -1900,7 +1900,7 @@
           <a:p>
             <a:fld id="{7747F944-1BE4-41B8-A0BC-C4D90034917C}" type="datetimeFigureOut">
               <a:rPr lang="ko-KR" altLang="en-US" smtClean="0"/>
-              <a:t>2019-09-02</a:t>
+              <a:t>2019-09-03</a:t>
             </a:fld>
             <a:endParaRPr lang="ko-KR" altLang="en-US"/>
           </a:p>
@@ -1995,7 +1995,7 @@
           <a:p>
             <a:fld id="{7747F944-1BE4-41B8-A0BC-C4D90034917C}" type="datetimeFigureOut">
               <a:rPr lang="ko-KR" altLang="en-US" smtClean="0"/>
-              <a:t>2019-09-02</a:t>
+              <a:t>2019-09-03</a:t>
             </a:fld>
             <a:endParaRPr lang="ko-KR" altLang="en-US"/>
           </a:p>
@@ -2272,7 +2272,7 @@
           <a:p>
             <a:fld id="{7747F944-1BE4-41B8-A0BC-C4D90034917C}" type="datetimeFigureOut">
               <a:rPr lang="ko-KR" altLang="en-US" smtClean="0"/>
-              <a:t>2019-09-02</a:t>
+              <a:t>2019-09-03</a:t>
             </a:fld>
             <a:endParaRPr lang="ko-KR" altLang="en-US"/>
           </a:p>
@@ -2525,7 +2525,7 @@
           <a:p>
             <a:fld id="{7747F944-1BE4-41B8-A0BC-C4D90034917C}" type="datetimeFigureOut">
               <a:rPr lang="ko-KR" altLang="en-US" smtClean="0"/>
-              <a:t>2019-09-02</a:t>
+              <a:t>2019-09-03</a:t>
             </a:fld>
             <a:endParaRPr lang="ko-KR" altLang="en-US"/>
           </a:p>
@@ -2738,7 +2738,7 @@
           <a:p>
             <a:fld id="{7747F944-1BE4-41B8-A0BC-C4D90034917C}" type="datetimeFigureOut">
               <a:rPr lang="ko-KR" altLang="en-US" smtClean="0"/>
-              <a:t>2019-09-02</a:t>
+              <a:t>2019-09-03</a:t>
             </a:fld>
             <a:endParaRPr lang="ko-KR" altLang="en-US"/>
           </a:p>
@@ -3819,84 +3819,6 @@
           <a:chExt cx="0" cy="0"/>
         </a:xfrm>
       </p:grpSpPr>
-      <p:pic>
-        <p:nvPicPr>
-          <p:cNvPr id="4" name="Picture 3" descr="C:\Users\E-10\Downloads\UnityChanHead.png"/>
-          <p:cNvPicPr>
-            <a:picLocks noChangeAspect="1" noChangeArrowheads="1"/>
-          </p:cNvPicPr>
-          <p:nvPr/>
-        </p:nvPicPr>
-        <p:blipFill rotWithShape="1">
-          <a:blip r:embed="rId2">
-            <a:extLst>
-              <a:ext uri="{28A0092B-C50C-407E-A947-70E740481C1C}">
-                <a14:useLocalDpi xmlns:a14="http://schemas.microsoft.com/office/drawing/2010/main" val="0"/>
-              </a:ext>
-            </a:extLst>
-          </a:blip>
-          <a:srcRect l="12701" t="7734" r="24968" b="46090"/>
-          <a:stretch/>
-        </p:blipFill>
-        <p:spPr bwMode="auto">
-          <a:xfrm>
-            <a:off x="-4140968" y="-531440"/>
-            <a:ext cx="2647950" cy="3048000"/>
-          </a:xfrm>
-          <a:prstGeom prst="rect">
-            <a:avLst/>
-          </a:prstGeom>
-          <a:noFill/>
-          <a:extLst>
-            <a:ext uri="{909E8E84-426E-40DD-AFC4-6F175D3DCCD1}">
-              <a14:hiddenFill xmlns:a14="http://schemas.microsoft.com/office/drawing/2010/main">
-                <a:solidFill>
-                  <a:srgbClr val="FFFFFF"/>
-                </a:solidFill>
-              </a14:hiddenFill>
-            </a:ext>
-          </a:extLst>
-        </p:spPr>
-      </p:pic>
-      <p:pic>
-        <p:nvPicPr>
-          <p:cNvPr id="5" name="Picture 2" descr="C:\Users\TA-18\Documents\GitHub\Unity\char_kohakub_all.png"/>
-          <p:cNvPicPr>
-            <a:picLocks noChangeAspect="1" noChangeArrowheads="1"/>
-          </p:cNvPicPr>
-          <p:nvPr/>
-        </p:nvPicPr>
-        <p:blipFill rotWithShape="1">
-          <a:blip r:embed="rId3">
-            <a:extLst>
-              <a:ext uri="{28A0092B-C50C-407E-A947-70E740481C1C}">
-                <a14:useLocalDpi xmlns:a14="http://schemas.microsoft.com/office/drawing/2010/main" val="0"/>
-              </a:ext>
-            </a:extLst>
-          </a:blip>
-          <a:srcRect l="29299" r="46667" b="71833"/>
-          <a:stretch/>
-        </p:blipFill>
-        <p:spPr bwMode="auto">
-          <a:xfrm>
-            <a:off x="539552" y="-4203848"/>
-            <a:ext cx="2647950" cy="3048000"/>
-          </a:xfrm>
-          <a:prstGeom prst="rect">
-            <a:avLst/>
-          </a:prstGeom>
-          <a:noFill/>
-          <a:extLst>
-            <a:ext uri="{909E8E84-426E-40DD-AFC4-6F175D3DCCD1}">
-              <a14:hiddenFill xmlns:a14="http://schemas.microsoft.com/office/drawing/2010/main">
-                <a:solidFill>
-                  <a:srgbClr val="FFFFFF"/>
-                </a:solidFill>
-              </a14:hiddenFill>
-            </a:ext>
-          </a:extLst>
-        </p:spPr>
-      </p:pic>
       <p:sp>
         <p:nvSpPr>
           <p:cNvPr id="13" name="원형 12"/>
@@ -3905,7 +3827,7 @@
         </p:nvSpPr>
         <p:spPr>
           <a:xfrm>
-            <a:off x="2339752" y="2536016"/>
+            <a:off x="683568" y="2780928"/>
             <a:ext cx="2684784" cy="2684784"/>
           </a:xfrm>
           <a:prstGeom prst="pie">
@@ -3960,7 +3882,7 @@
         </p:nvSpPr>
         <p:spPr>
           <a:xfrm>
-            <a:off x="6472904" y="2572408"/>
+            <a:off x="-1541176" y="4293096"/>
             <a:ext cx="2684784" cy="2684784"/>
           </a:xfrm>
           <a:prstGeom prst="pie">
@@ -4070,7 +3992,7 @@
         </p:nvSpPr>
         <p:spPr>
           <a:xfrm>
-            <a:off x="4355976" y="2708920"/>
+            <a:off x="3931435" y="-49510"/>
             <a:ext cx="2411760" cy="2411760"/>
           </a:xfrm>
           <a:prstGeom prst="ellipse">
@@ -4116,14 +4038,14 @@
         </p:nvSpPr>
         <p:spPr>
           <a:xfrm>
-            <a:off x="-86840" y="476672"/>
+            <a:off x="-1404664" y="2348880"/>
             <a:ext cx="2411760" cy="2411760"/>
           </a:xfrm>
           <a:prstGeom prst="ellipse">
             <a:avLst/>
           </a:prstGeom>
           <a:blipFill>
-            <a:blip r:embed="rId4"/>
+            <a:blip r:embed="rId2"/>
             <a:stretch>
               <a:fillRect/>
             </a:stretch>
@@ -4167,14 +4089,14 @@
         </p:nvSpPr>
         <p:spPr>
           <a:xfrm>
-            <a:off x="5074736" y="-213320"/>
+            <a:off x="3931435" y="-49510"/>
             <a:ext cx="2411760" cy="2411760"/>
           </a:xfrm>
           <a:prstGeom prst="ellipse">
             <a:avLst/>
           </a:prstGeom>
           <a:blipFill>
-            <a:blip r:embed="rId5"/>
+            <a:blip r:embed="rId3"/>
             <a:stretch>
               <a:fillRect/>
             </a:stretch>
@@ -4183,6 +4105,50 @@
             <a:solidFill>
               <a:schemeClr val="accent5"/>
             </a:solidFill>
+          </a:ln>
+        </p:spPr>
+        <p:style>
+          <a:lnRef idx="2">
+            <a:schemeClr val="accent1">
+              <a:shade val="50000"/>
+            </a:schemeClr>
+          </a:lnRef>
+          <a:fillRef idx="1">
+            <a:schemeClr val="accent1"/>
+          </a:fillRef>
+          <a:effectRef idx="0">
+            <a:schemeClr val="accent1"/>
+          </a:effectRef>
+          <a:fontRef idx="minor">
+            <a:schemeClr val="lt1"/>
+          </a:fontRef>
+        </p:style>
+        <p:txBody>
+          <a:bodyPr rtlCol="0" anchor="ctr"/>
+          <a:lstStyle/>
+          <a:p>
+            <a:pPr algn="ctr"/>
+            <a:endParaRPr lang="ko-KR" altLang="en-US"/>
+          </a:p>
+        </p:txBody>
+      </p:sp>
+      <p:sp>
+        <p:nvSpPr>
+          <p:cNvPr id="2" name="타원 1"/>
+          <p:cNvSpPr/>
+          <p:nvPr/>
+        </p:nvSpPr>
+        <p:spPr>
+          <a:xfrm>
+            <a:off x="4219464" y="2572408"/>
+            <a:ext cx="2684784" cy="2684784"/>
+          </a:xfrm>
+          <a:prstGeom prst="ellipse">
+            <a:avLst/>
+          </a:prstGeom>
+          <a:noFill/>
+          <a:ln>
+            <a:noFill/>
           </a:ln>
         </p:spPr>
         <p:style>

--- a/프레젠테이션1.pptx
+++ b/프레젠테이션1.pptx
@@ -4,6 +4,9 @@
   <p:sldMasterIdLst>
     <p:sldMasterId id="2147483648" r:id="rId1"/>
   </p:sldMasterIdLst>
+  <p:notesMasterIdLst>
+    <p:notesMasterId r:id="rId5"/>
+  </p:notesMasterIdLst>
   <p:sldIdLst>
     <p:sldId id="256" r:id="rId2"/>
     <p:sldId id="257" r:id="rId3"/>
@@ -108,7 +111,7 @@
   </p:defaultTextStyle>
   <p:extLst>
     <p:ext uri="{EFAFB233-063F-42B5-8137-9DF3F51BA10A}">
-      <p15:sldGuideLst xmlns:p15="http://schemas.microsoft.com/office/powerpoint/2012/main" xmlns="">
+      <p15:sldGuideLst xmlns="" xmlns:p15="http://schemas.microsoft.com/office/powerpoint/2012/main">
         <p15:guide id="1" orient="horz" pos="2160">
           <p15:clr>
             <a:srgbClr val="A4A3A4"/>
@@ -123,6 +126,440 @@
     </p:ext>
   </p:extLst>
 </p:presentation>
+</file>
+
+<file path=ppt/notesMasters/notesMaster1.xml><?xml version="1.0" encoding="utf-8"?>
+<p:notesMaster xmlns:a="http://schemas.openxmlformats.org/drawingml/2006/main" xmlns:r="http://schemas.openxmlformats.org/officeDocument/2006/relationships" xmlns:p="http://schemas.openxmlformats.org/presentationml/2006/main">
+  <p:cSld>
+    <p:bg>
+      <p:bgRef idx="1001">
+        <a:schemeClr val="bg1"/>
+      </p:bgRef>
+    </p:bg>
+    <p:spTree>
+      <p:nvGrpSpPr>
+        <p:cNvPr id="1" name=""/>
+        <p:cNvGrpSpPr/>
+        <p:nvPr/>
+      </p:nvGrpSpPr>
+      <p:grpSpPr>
+        <a:xfrm>
+          <a:off x="0" y="0"/>
+          <a:ext cx="0" cy="0"/>
+          <a:chOff x="0" y="0"/>
+          <a:chExt cx="0" cy="0"/>
+        </a:xfrm>
+      </p:grpSpPr>
+      <p:sp>
+        <p:nvSpPr>
+          <p:cNvPr id="2" name="머리글 개체 틀 1"/>
+          <p:cNvSpPr>
+            <a:spLocks noGrp="1"/>
+          </p:cNvSpPr>
+          <p:nvPr>
+            <p:ph type="hdr" sz="quarter"/>
+          </p:nvPr>
+        </p:nvSpPr>
+        <p:spPr>
+          <a:xfrm>
+            <a:off x="0" y="0"/>
+            <a:ext cx="2971800" cy="457200"/>
+          </a:xfrm>
+          <a:prstGeom prst="rect">
+            <a:avLst/>
+          </a:prstGeom>
+        </p:spPr>
+        <p:txBody>
+          <a:bodyPr vert="horz" lIns="91440" tIns="45720" rIns="91440" bIns="45720" rtlCol="0"/>
+          <a:lstStyle>
+            <a:lvl1pPr algn="l">
+              <a:defRPr sz="1200"/>
+            </a:lvl1pPr>
+          </a:lstStyle>
+          <a:p>
+            <a:endParaRPr lang="ko-KR" altLang="en-US"/>
+          </a:p>
+        </p:txBody>
+      </p:sp>
+      <p:sp>
+        <p:nvSpPr>
+          <p:cNvPr id="3" name="날짜 개체 틀 2"/>
+          <p:cNvSpPr>
+            <a:spLocks noGrp="1"/>
+          </p:cNvSpPr>
+          <p:nvPr>
+            <p:ph type="dt" idx="1"/>
+          </p:nvPr>
+        </p:nvSpPr>
+        <p:spPr>
+          <a:xfrm>
+            <a:off x="3884613" y="0"/>
+            <a:ext cx="2971800" cy="457200"/>
+          </a:xfrm>
+          <a:prstGeom prst="rect">
+            <a:avLst/>
+          </a:prstGeom>
+        </p:spPr>
+        <p:txBody>
+          <a:bodyPr vert="horz" lIns="91440" tIns="45720" rIns="91440" bIns="45720" rtlCol="0"/>
+          <a:lstStyle>
+            <a:lvl1pPr algn="r">
+              <a:defRPr sz="1200"/>
+            </a:lvl1pPr>
+          </a:lstStyle>
+          <a:p>
+            <a:fld id="{D59EC6C2-A753-4463-8EA5-E1F37EF8A2D7}" type="datetimeFigureOut">
+              <a:rPr lang="ko-KR" altLang="en-US" smtClean="0"/>
+              <a:t>2019-09-02</a:t>
+            </a:fld>
+            <a:endParaRPr lang="ko-KR" altLang="en-US"/>
+          </a:p>
+        </p:txBody>
+      </p:sp>
+      <p:sp>
+        <p:nvSpPr>
+          <p:cNvPr id="4" name="슬라이드 이미지 개체 틀 3"/>
+          <p:cNvSpPr>
+            <a:spLocks noGrp="1" noRot="1" noChangeAspect="1"/>
+          </p:cNvSpPr>
+          <p:nvPr>
+            <p:ph type="sldImg" idx="2"/>
+          </p:nvPr>
+        </p:nvSpPr>
+        <p:spPr>
+          <a:xfrm>
+            <a:off x="1143000" y="685800"/>
+            <a:ext cx="4572000" cy="3429000"/>
+          </a:xfrm>
+          <a:prstGeom prst="rect">
+            <a:avLst/>
+          </a:prstGeom>
+          <a:noFill/>
+          <a:ln w="12700">
+            <a:solidFill>
+              <a:prstClr val="black"/>
+            </a:solidFill>
+          </a:ln>
+        </p:spPr>
+        <p:txBody>
+          <a:bodyPr vert="horz" lIns="91440" tIns="45720" rIns="91440" bIns="45720" rtlCol="0" anchor="ctr"/>
+          <a:lstStyle/>
+          <a:p>
+            <a:endParaRPr lang="ko-KR" altLang="en-US"/>
+          </a:p>
+        </p:txBody>
+      </p:sp>
+      <p:sp>
+        <p:nvSpPr>
+          <p:cNvPr id="5" name="슬라이드 노트 개체 틀 4"/>
+          <p:cNvSpPr>
+            <a:spLocks noGrp="1"/>
+          </p:cNvSpPr>
+          <p:nvPr>
+            <p:ph type="body" sz="quarter" idx="3"/>
+          </p:nvPr>
+        </p:nvSpPr>
+        <p:spPr>
+          <a:xfrm>
+            <a:off x="685800" y="4343400"/>
+            <a:ext cx="5486400" cy="4114800"/>
+          </a:xfrm>
+          <a:prstGeom prst="rect">
+            <a:avLst/>
+          </a:prstGeom>
+        </p:spPr>
+        <p:txBody>
+          <a:bodyPr vert="horz" lIns="91440" tIns="45720" rIns="91440" bIns="45720" rtlCol="0"/>
+          <a:lstStyle/>
+          <a:p>
+            <a:pPr lvl="0"/>
+            <a:r>
+              <a:rPr lang="ko-KR" altLang="en-US" smtClean="0"/>
+              <a:t>마스터 텍스트 스타일을 편집합니다</a:t>
+            </a:r>
+          </a:p>
+          <a:p>
+            <a:pPr lvl="1"/>
+            <a:r>
+              <a:rPr lang="ko-KR" altLang="en-US" smtClean="0"/>
+              <a:t>둘째 수준</a:t>
+            </a:r>
+          </a:p>
+          <a:p>
+            <a:pPr lvl="2"/>
+            <a:r>
+              <a:rPr lang="ko-KR" altLang="en-US" smtClean="0"/>
+              <a:t>셋째 수준</a:t>
+            </a:r>
+          </a:p>
+          <a:p>
+            <a:pPr lvl="3"/>
+            <a:r>
+              <a:rPr lang="ko-KR" altLang="en-US" smtClean="0"/>
+              <a:t>넷째 수준</a:t>
+            </a:r>
+          </a:p>
+          <a:p>
+            <a:pPr lvl="4"/>
+            <a:r>
+              <a:rPr lang="ko-KR" altLang="en-US" smtClean="0"/>
+              <a:t>다섯째 수준</a:t>
+            </a:r>
+            <a:endParaRPr lang="ko-KR" altLang="en-US"/>
+          </a:p>
+        </p:txBody>
+      </p:sp>
+      <p:sp>
+        <p:nvSpPr>
+          <p:cNvPr id="6" name="바닥글 개체 틀 5"/>
+          <p:cNvSpPr>
+            <a:spLocks noGrp="1"/>
+          </p:cNvSpPr>
+          <p:nvPr>
+            <p:ph type="ftr" sz="quarter" idx="4"/>
+          </p:nvPr>
+        </p:nvSpPr>
+        <p:spPr>
+          <a:xfrm>
+            <a:off x="0" y="8685213"/>
+            <a:ext cx="2971800" cy="457200"/>
+          </a:xfrm>
+          <a:prstGeom prst="rect">
+            <a:avLst/>
+          </a:prstGeom>
+        </p:spPr>
+        <p:txBody>
+          <a:bodyPr vert="horz" lIns="91440" tIns="45720" rIns="91440" bIns="45720" rtlCol="0" anchor="b"/>
+          <a:lstStyle>
+            <a:lvl1pPr algn="l">
+              <a:defRPr sz="1200"/>
+            </a:lvl1pPr>
+          </a:lstStyle>
+          <a:p>
+            <a:endParaRPr lang="ko-KR" altLang="en-US"/>
+          </a:p>
+        </p:txBody>
+      </p:sp>
+      <p:sp>
+        <p:nvSpPr>
+          <p:cNvPr id="7" name="슬라이드 번호 개체 틀 6"/>
+          <p:cNvSpPr>
+            <a:spLocks noGrp="1"/>
+          </p:cNvSpPr>
+          <p:nvPr>
+            <p:ph type="sldNum" sz="quarter" idx="5"/>
+          </p:nvPr>
+        </p:nvSpPr>
+        <p:spPr>
+          <a:xfrm>
+            <a:off x="3884613" y="8685213"/>
+            <a:ext cx="2971800" cy="457200"/>
+          </a:xfrm>
+          <a:prstGeom prst="rect">
+            <a:avLst/>
+          </a:prstGeom>
+        </p:spPr>
+        <p:txBody>
+          <a:bodyPr vert="horz" lIns="91440" tIns="45720" rIns="91440" bIns="45720" rtlCol="0" anchor="b"/>
+          <a:lstStyle>
+            <a:lvl1pPr algn="r">
+              <a:defRPr sz="1200"/>
+            </a:lvl1pPr>
+          </a:lstStyle>
+          <a:p>
+            <a:fld id="{E80A6E3D-2724-4BAA-836E-9D6F01189C02}" type="slidenum">
+              <a:rPr lang="ko-KR" altLang="en-US" smtClean="0"/>
+              <a:t>‹#›</a:t>
+            </a:fld>
+            <a:endParaRPr lang="ko-KR" altLang="en-US"/>
+          </a:p>
+        </p:txBody>
+      </p:sp>
+    </p:spTree>
+    <p:extLst>
+      <p:ext uri="{BB962C8B-B14F-4D97-AF65-F5344CB8AC3E}">
+        <p14:creationId xmlns:p14="http://schemas.microsoft.com/office/powerpoint/2010/main" val="913105959"/>
+      </p:ext>
+    </p:extLst>
+  </p:cSld>
+  <p:clrMap bg1="lt1" tx1="dk1" bg2="lt2" tx2="dk2" accent1="accent1" accent2="accent2" accent3="accent3" accent4="accent4" accent5="accent5" accent6="accent6" hlink="hlink" folHlink="folHlink"/>
+  <p:notesStyle>
+    <a:lvl1pPr marL="0" algn="l" defTabSz="914400" rtl="0" eaLnBrk="1" latinLnBrk="1" hangingPunct="1">
+      <a:defRPr sz="1200" kern="1200">
+        <a:solidFill>
+          <a:schemeClr val="tx1"/>
+        </a:solidFill>
+        <a:latin typeface="+mn-lt"/>
+        <a:ea typeface="+mn-ea"/>
+        <a:cs typeface="+mn-cs"/>
+      </a:defRPr>
+    </a:lvl1pPr>
+    <a:lvl2pPr marL="457200" algn="l" defTabSz="914400" rtl="0" eaLnBrk="1" latinLnBrk="1" hangingPunct="1">
+      <a:defRPr sz="1200" kern="1200">
+        <a:solidFill>
+          <a:schemeClr val="tx1"/>
+        </a:solidFill>
+        <a:latin typeface="+mn-lt"/>
+        <a:ea typeface="+mn-ea"/>
+        <a:cs typeface="+mn-cs"/>
+      </a:defRPr>
+    </a:lvl2pPr>
+    <a:lvl3pPr marL="914400" algn="l" defTabSz="914400" rtl="0" eaLnBrk="1" latinLnBrk="1" hangingPunct="1">
+      <a:defRPr sz="1200" kern="1200">
+        <a:solidFill>
+          <a:schemeClr val="tx1"/>
+        </a:solidFill>
+        <a:latin typeface="+mn-lt"/>
+        <a:ea typeface="+mn-ea"/>
+        <a:cs typeface="+mn-cs"/>
+      </a:defRPr>
+    </a:lvl3pPr>
+    <a:lvl4pPr marL="1371600" algn="l" defTabSz="914400" rtl="0" eaLnBrk="1" latinLnBrk="1" hangingPunct="1">
+      <a:defRPr sz="1200" kern="1200">
+        <a:solidFill>
+          <a:schemeClr val="tx1"/>
+        </a:solidFill>
+        <a:latin typeface="+mn-lt"/>
+        <a:ea typeface="+mn-ea"/>
+        <a:cs typeface="+mn-cs"/>
+      </a:defRPr>
+    </a:lvl4pPr>
+    <a:lvl5pPr marL="1828800" algn="l" defTabSz="914400" rtl="0" eaLnBrk="1" latinLnBrk="1" hangingPunct="1">
+      <a:defRPr sz="1200" kern="1200">
+        <a:solidFill>
+          <a:schemeClr val="tx1"/>
+        </a:solidFill>
+        <a:latin typeface="+mn-lt"/>
+        <a:ea typeface="+mn-ea"/>
+        <a:cs typeface="+mn-cs"/>
+      </a:defRPr>
+    </a:lvl5pPr>
+    <a:lvl6pPr marL="2286000" algn="l" defTabSz="914400" rtl="0" eaLnBrk="1" latinLnBrk="1" hangingPunct="1">
+      <a:defRPr sz="1200" kern="1200">
+        <a:solidFill>
+          <a:schemeClr val="tx1"/>
+        </a:solidFill>
+        <a:latin typeface="+mn-lt"/>
+        <a:ea typeface="+mn-ea"/>
+        <a:cs typeface="+mn-cs"/>
+      </a:defRPr>
+    </a:lvl6pPr>
+    <a:lvl7pPr marL="2743200" algn="l" defTabSz="914400" rtl="0" eaLnBrk="1" latinLnBrk="1" hangingPunct="1">
+      <a:defRPr sz="1200" kern="1200">
+        <a:solidFill>
+          <a:schemeClr val="tx1"/>
+        </a:solidFill>
+        <a:latin typeface="+mn-lt"/>
+        <a:ea typeface="+mn-ea"/>
+        <a:cs typeface="+mn-cs"/>
+      </a:defRPr>
+    </a:lvl7pPr>
+    <a:lvl8pPr marL="3200400" algn="l" defTabSz="914400" rtl="0" eaLnBrk="1" latinLnBrk="1" hangingPunct="1">
+      <a:defRPr sz="1200" kern="1200">
+        <a:solidFill>
+          <a:schemeClr val="tx1"/>
+        </a:solidFill>
+        <a:latin typeface="+mn-lt"/>
+        <a:ea typeface="+mn-ea"/>
+        <a:cs typeface="+mn-cs"/>
+      </a:defRPr>
+    </a:lvl8pPr>
+    <a:lvl9pPr marL="3657600" algn="l" defTabSz="914400" rtl="0" eaLnBrk="1" latinLnBrk="1" hangingPunct="1">
+      <a:defRPr sz="1200" kern="1200">
+        <a:solidFill>
+          <a:schemeClr val="tx1"/>
+        </a:solidFill>
+        <a:latin typeface="+mn-lt"/>
+        <a:ea typeface="+mn-ea"/>
+        <a:cs typeface="+mn-cs"/>
+      </a:defRPr>
+    </a:lvl9pPr>
+  </p:notesStyle>
+</p:notesMaster>
+</file>
+
+<file path=ppt/notesSlides/notesSlide1.xml><?xml version="1.0" encoding="utf-8"?>
+<p:notes xmlns:a="http://schemas.openxmlformats.org/drawingml/2006/main" xmlns:r="http://schemas.openxmlformats.org/officeDocument/2006/relationships" xmlns:p="http://schemas.openxmlformats.org/presentationml/2006/main">
+  <p:cSld>
+    <p:spTree>
+      <p:nvGrpSpPr>
+        <p:cNvPr id="1" name=""/>
+        <p:cNvGrpSpPr/>
+        <p:nvPr/>
+      </p:nvGrpSpPr>
+      <p:grpSpPr>
+        <a:xfrm>
+          <a:off x="0" y="0"/>
+          <a:ext cx="0" cy="0"/>
+          <a:chOff x="0" y="0"/>
+          <a:chExt cx="0" cy="0"/>
+        </a:xfrm>
+      </p:grpSpPr>
+      <p:sp>
+        <p:nvSpPr>
+          <p:cNvPr id="2" name="슬라이드 이미지 개체 틀 1"/>
+          <p:cNvSpPr>
+            <a:spLocks noGrp="1" noRot="1" noChangeAspect="1"/>
+          </p:cNvSpPr>
+          <p:nvPr>
+            <p:ph type="sldImg"/>
+          </p:nvPr>
+        </p:nvSpPr>
+        <p:spPr/>
+      </p:sp>
+      <p:sp>
+        <p:nvSpPr>
+          <p:cNvPr id="3" name="슬라이드 노트 개체 틀 2"/>
+          <p:cNvSpPr>
+            <a:spLocks noGrp="1"/>
+          </p:cNvSpPr>
+          <p:nvPr>
+            <p:ph type="body" idx="1"/>
+          </p:nvPr>
+        </p:nvSpPr>
+        <p:spPr/>
+        <p:txBody>
+          <a:bodyPr/>
+          <a:lstStyle/>
+          <a:p>
+            <a:endParaRPr lang="ko-KR" altLang="en-US"/>
+          </a:p>
+        </p:txBody>
+      </p:sp>
+      <p:sp>
+        <p:nvSpPr>
+          <p:cNvPr id="4" name="슬라이드 번호 개체 틀 3"/>
+          <p:cNvSpPr>
+            <a:spLocks noGrp="1"/>
+          </p:cNvSpPr>
+          <p:nvPr>
+            <p:ph type="sldNum" sz="quarter" idx="10"/>
+          </p:nvPr>
+        </p:nvSpPr>
+        <p:spPr/>
+        <p:txBody>
+          <a:bodyPr/>
+          <a:lstStyle/>
+          <a:p>
+            <a:fld id="{E80A6E3D-2724-4BAA-836E-9D6F01189C02}" type="slidenum">
+              <a:rPr lang="ko-KR" altLang="en-US" smtClean="0"/>
+              <a:t>3</a:t>
+            </a:fld>
+            <a:endParaRPr lang="ko-KR" altLang="en-US"/>
+          </a:p>
+        </p:txBody>
+      </p:sp>
+    </p:spTree>
+    <p:extLst>
+      <p:ext uri="{BB962C8B-B14F-4D97-AF65-F5344CB8AC3E}">
+        <p14:creationId xmlns:p14="http://schemas.microsoft.com/office/powerpoint/2010/main" val="3296045395"/>
+      </p:ext>
+    </p:extLst>
+  </p:cSld>
+  <p:clrMapOvr>
+    <a:masterClrMapping/>
+  </p:clrMapOvr>
+</p:notes>
 </file>
 
 <file path=ppt/slideLayouts/slideLayout1.xml><?xml version="1.0" encoding="utf-8"?>
@@ -3828,7 +4265,7 @@
           <p:nvPr/>
         </p:nvPicPr>
         <p:blipFill rotWithShape="1">
-          <a:blip r:embed="rId2">
+          <a:blip r:embed="rId3">
             <a:extLst>
               <a:ext uri="{28A0092B-C50C-407E-A947-70E740481C1C}">
                 <a14:useLocalDpi xmlns:a14="http://schemas.microsoft.com/office/drawing/2010/main" val="0"/>
@@ -3867,7 +4304,7 @@
           <p:nvPr/>
         </p:nvPicPr>
         <p:blipFill rotWithShape="1">
-          <a:blip r:embed="rId3">
+          <a:blip r:embed="rId4">
             <a:extLst>
               <a:ext uri="{28A0092B-C50C-407E-A947-70E740481C1C}">
                 <a14:useLocalDpi xmlns:a14="http://schemas.microsoft.com/office/drawing/2010/main" val="0"/>
@@ -3905,7 +4342,7 @@
         </p:nvSpPr>
         <p:spPr>
           <a:xfrm>
-            <a:off x="2339752" y="2536016"/>
+            <a:off x="810144" y="384176"/>
             <a:ext cx="2684784" cy="2684784"/>
           </a:xfrm>
           <a:prstGeom prst="pie">
@@ -3960,7 +4397,7 @@
         </p:nvSpPr>
         <p:spPr>
           <a:xfrm>
-            <a:off x="6472904" y="2572408"/>
+            <a:off x="809328" y="384992"/>
             <a:ext cx="2684784" cy="2684784"/>
           </a:xfrm>
           <a:prstGeom prst="pie">
@@ -4015,7 +4452,7 @@
         </p:nvSpPr>
         <p:spPr>
           <a:xfrm>
-            <a:off x="4219464" y="2572408"/>
+            <a:off x="809328" y="384176"/>
             <a:ext cx="2684784" cy="2684784"/>
           </a:xfrm>
           <a:prstGeom prst="pie">
@@ -4070,7 +4507,7 @@
         </p:nvSpPr>
         <p:spPr>
           <a:xfrm>
-            <a:off x="4355976" y="2708920"/>
+            <a:off x="946656" y="520688"/>
             <a:ext cx="2411760" cy="2411760"/>
           </a:xfrm>
           <a:prstGeom prst="ellipse">
@@ -4116,14 +4553,14 @@
         </p:nvSpPr>
         <p:spPr>
           <a:xfrm>
-            <a:off x="-86840" y="476672"/>
+            <a:off x="5940152" y="2708920"/>
             <a:ext cx="2411760" cy="2411760"/>
           </a:xfrm>
           <a:prstGeom prst="ellipse">
             <a:avLst/>
           </a:prstGeom>
           <a:blipFill>
-            <a:blip r:embed="rId4"/>
+            <a:blip r:embed="rId5"/>
             <a:stretch>
               <a:fillRect/>
             </a:stretch>
@@ -4161,20 +4598,64 @@
       </p:sp>
       <p:sp>
         <p:nvSpPr>
+          <p:cNvPr id="2" name="타원 1"/>
+          <p:cNvSpPr/>
+          <p:nvPr/>
+        </p:nvSpPr>
+        <p:spPr>
+          <a:xfrm>
+            <a:off x="809328" y="384176"/>
+            <a:ext cx="2685600" cy="2685600"/>
+          </a:xfrm>
+          <a:prstGeom prst="ellipse">
+            <a:avLst/>
+          </a:prstGeom>
+          <a:noFill/>
+          <a:ln>
+            <a:noFill/>
+          </a:ln>
+        </p:spPr>
+        <p:style>
+          <a:lnRef idx="2">
+            <a:schemeClr val="accent1">
+              <a:shade val="50000"/>
+            </a:schemeClr>
+          </a:lnRef>
+          <a:fillRef idx="1">
+            <a:schemeClr val="accent1"/>
+          </a:fillRef>
+          <a:effectRef idx="0">
+            <a:schemeClr val="accent1"/>
+          </a:effectRef>
+          <a:fontRef idx="minor">
+            <a:schemeClr val="lt1"/>
+          </a:fontRef>
+        </p:style>
+        <p:txBody>
+          <a:bodyPr rtlCol="0" anchor="ctr"/>
+          <a:lstStyle/>
+          <a:p>
+            <a:pPr algn="ctr"/>
+            <a:endParaRPr lang="ko-KR" altLang="en-US"/>
+          </a:p>
+        </p:txBody>
+      </p:sp>
+      <p:sp>
+        <p:nvSpPr>
           <p:cNvPr id="7" name="타원 6"/>
           <p:cNvSpPr/>
           <p:nvPr/>
         </p:nvSpPr>
         <p:spPr>
           <a:xfrm>
-            <a:off x="5074736" y="-213320"/>
+            <a:off x="946656" y="521504"/>
             <a:ext cx="2411760" cy="2411760"/>
           </a:xfrm>
           <a:prstGeom prst="ellipse">
             <a:avLst/>
           </a:prstGeom>
           <a:blipFill>
-            <a:blip r:embed="rId5"/>
+            <a:blip r:embed="rId6"/>
             <a:stretch>
               <a:fillRect/>
             </a:stretch>
@@ -4506,4 +4987,289 @@
   <a:objectDefaults/>
   <a:extraClrSchemeLst/>
 </a:theme>
+</file>
+
+<file path=ppt/theme/theme2.xml><?xml version="1.0" encoding="utf-8"?>
+<a:theme xmlns:a="http://schemas.openxmlformats.org/drawingml/2006/main" name="Office 테마">
+  <a:themeElements>
+    <a:clrScheme name="Office">
+      <a:dk1>
+        <a:sysClr val="windowText" lastClr="000000"/>
+      </a:dk1>
+      <a:lt1>
+        <a:sysClr val="window" lastClr="FFFFFF"/>
+      </a:lt1>
+      <a:dk2>
+        <a:srgbClr val="1F497D"/>
+      </a:dk2>
+      <a:lt2>
+        <a:srgbClr val="EEECE1"/>
+      </a:lt2>
+      <a:accent1>
+        <a:srgbClr val="4F81BD"/>
+      </a:accent1>
+      <a:accent2>
+        <a:srgbClr val="C0504D"/>
+      </a:accent2>
+      <a:accent3>
+        <a:srgbClr val="9BBB59"/>
+      </a:accent3>
+      <a:accent4>
+        <a:srgbClr val="8064A2"/>
+      </a:accent4>
+      <a:accent5>
+        <a:srgbClr val="4BACC6"/>
+      </a:accent5>
+      <a:accent6>
+        <a:srgbClr val="F79646"/>
+      </a:accent6>
+      <a:hlink>
+        <a:srgbClr val="0000FF"/>
+      </a:hlink>
+      <a:folHlink>
+        <a:srgbClr val="800080"/>
+      </a:folHlink>
+    </a:clrScheme>
+    <a:fontScheme name="Office">
+      <a:majorFont>
+        <a:latin typeface="맑은 고딕"/>
+        <a:ea typeface=""/>
+        <a:cs typeface=""/>
+        <a:font script="Jpan" typeface="ＭＳ Ｐゴシック"/>
+        <a:font script="Hang" typeface="맑은 고딕"/>
+        <a:font script="Hans" typeface="宋体"/>
+        <a:font script="Hant" typeface="新細明體"/>
+        <a:font script="Arab" typeface="Times New Roman"/>
+        <a:font script="Hebr" typeface="Times New Roman"/>
+        <a:font script="Thai" typeface="Angsana New"/>
+        <a:font script="Ethi" typeface="Nyala"/>
+        <a:font script="Beng" typeface="Vrinda"/>
+        <a:font script="Gujr" typeface="Shruti"/>
+        <a:font script="Khmr" typeface="MoolBoran"/>
+        <a:font script="Knda" typeface="Tunga"/>
+        <a:font script="Guru" typeface="Raavi"/>
+        <a:font script="Cans" typeface="Euphemia"/>
+        <a:font script="Cher" typeface="Plantagenet Cherokee"/>
+        <a:font script="Yiii" typeface="Microsoft Yi Baiti"/>
+        <a:font script="Tibt" typeface="Microsoft Himalaya"/>
+        <a:font script="Thaa" typeface="MV Boli"/>
+        <a:font script="Deva" typeface="Mangal"/>
+        <a:font script="Telu" typeface="Gautami"/>
+        <a:font script="Taml" typeface="Latha"/>
+        <a:font script="Syrc" typeface="Estrangelo Edessa"/>
+        <a:font script="Orya" typeface="Kalinga"/>
+        <a:font script="Mlym" typeface="Kartika"/>
+        <a:font script="Laoo" typeface="DokChampa"/>
+        <a:font script="Sinh" typeface="Iskoola Pota"/>
+        <a:font script="Mong" typeface="Mongolian Baiti"/>
+        <a:font script="Viet" typeface="Times New Roman"/>
+        <a:font script="Uigh" typeface="Microsoft Uighur"/>
+        <a:font script="Geor" typeface="Sylfaen"/>
+      </a:majorFont>
+      <a:minorFont>
+        <a:latin typeface="맑은 고딕"/>
+        <a:ea typeface=""/>
+        <a:cs typeface=""/>
+        <a:font script="Jpan" typeface="ＭＳ Ｐゴシック"/>
+        <a:font script="Hang" typeface="맑은 고딕"/>
+        <a:font script="Hans" typeface="宋体"/>
+        <a:font script="Hant" typeface="新細明體"/>
+        <a:font script="Arab" typeface="Arial"/>
+        <a:font script="Hebr" typeface="Arial"/>
+        <a:font script="Thai" typeface="Cordia New"/>
+        <a:font script="Ethi" typeface="Nyala"/>
+        <a:font script="Beng" typeface="Vrinda"/>
+        <a:font script="Gujr" typeface="Shruti"/>
+        <a:font script="Khmr" typeface="DaunPenh"/>
+        <a:font script="Knda" typeface="Tunga"/>
+        <a:font script="Guru" typeface="Raavi"/>
+        <a:font script="Cans" typeface="Euphemia"/>
+        <a:font script="Cher" typeface="Plantagenet Cherokee"/>
+        <a:font script="Yiii" typeface="Microsoft Yi Baiti"/>
+        <a:font script="Tibt" typeface="Microsoft Himalaya"/>
+        <a:font script="Thaa" typeface="MV Boli"/>
+        <a:font script="Deva" typeface="Mangal"/>
+        <a:font script="Telu" typeface="Gautami"/>
+        <a:font script="Taml" typeface="Latha"/>
+        <a:font script="Syrc" typeface="Estrangelo Edessa"/>
+        <a:font script="Orya" typeface="Kalinga"/>
+        <a:font script="Mlym" typeface="Kartika"/>
+        <a:font script="Laoo" typeface="DokChampa"/>
+        <a:font script="Sinh" typeface="Iskoola Pota"/>
+        <a:font script="Mong" typeface="Mongolian Baiti"/>
+        <a:font script="Viet" typeface="Arial"/>
+        <a:font script="Uigh" typeface="Microsoft Uighur"/>
+        <a:font script="Geor" typeface="Sylfaen"/>
+      </a:minorFont>
+    </a:fontScheme>
+    <a:fmtScheme name="Office">
+      <a:fillStyleLst>
+        <a:solidFill>
+          <a:schemeClr val="phClr"/>
+        </a:solidFill>
+        <a:gradFill rotWithShape="1">
+          <a:gsLst>
+            <a:gs pos="0">
+              <a:schemeClr val="phClr">
+                <a:tint val="50000"/>
+                <a:satMod val="300000"/>
+              </a:schemeClr>
+            </a:gs>
+            <a:gs pos="35000">
+              <a:schemeClr val="phClr">
+                <a:tint val="37000"/>
+                <a:satMod val="300000"/>
+              </a:schemeClr>
+            </a:gs>
+            <a:gs pos="100000">
+              <a:schemeClr val="phClr">
+                <a:tint val="15000"/>
+                <a:satMod val="350000"/>
+              </a:schemeClr>
+            </a:gs>
+          </a:gsLst>
+          <a:lin ang="16200000" scaled="1"/>
+        </a:gradFill>
+        <a:gradFill rotWithShape="1">
+          <a:gsLst>
+            <a:gs pos="0">
+              <a:schemeClr val="phClr">
+                <a:shade val="51000"/>
+                <a:satMod val="130000"/>
+              </a:schemeClr>
+            </a:gs>
+            <a:gs pos="80000">
+              <a:schemeClr val="phClr">
+                <a:shade val="93000"/>
+                <a:satMod val="130000"/>
+              </a:schemeClr>
+            </a:gs>
+            <a:gs pos="100000">
+              <a:schemeClr val="phClr">
+                <a:shade val="94000"/>
+                <a:satMod val="135000"/>
+              </a:schemeClr>
+            </a:gs>
+          </a:gsLst>
+          <a:lin ang="16200000" scaled="0"/>
+        </a:gradFill>
+      </a:fillStyleLst>
+      <a:lnStyleLst>
+        <a:ln w="9525" cap="flat" cmpd="sng" algn="ctr">
+          <a:solidFill>
+            <a:schemeClr val="phClr">
+              <a:shade val="95000"/>
+              <a:satMod val="105000"/>
+            </a:schemeClr>
+          </a:solidFill>
+          <a:prstDash val="solid"/>
+        </a:ln>
+        <a:ln w="25400" cap="flat" cmpd="sng" algn="ctr">
+          <a:solidFill>
+            <a:schemeClr val="phClr"/>
+          </a:solidFill>
+          <a:prstDash val="solid"/>
+        </a:ln>
+        <a:ln w="38100" cap="flat" cmpd="sng" algn="ctr">
+          <a:solidFill>
+            <a:schemeClr val="phClr"/>
+          </a:solidFill>
+          <a:prstDash val="solid"/>
+        </a:ln>
+      </a:lnStyleLst>
+      <a:effectStyleLst>
+        <a:effectStyle>
+          <a:effectLst>
+            <a:outerShdw blurRad="40000" dist="20000" dir="5400000" rotWithShape="0">
+              <a:srgbClr val="000000">
+                <a:alpha val="38000"/>
+              </a:srgbClr>
+            </a:outerShdw>
+          </a:effectLst>
+        </a:effectStyle>
+        <a:effectStyle>
+          <a:effectLst>
+            <a:outerShdw blurRad="40000" dist="23000" dir="5400000" rotWithShape="0">
+              <a:srgbClr val="000000">
+                <a:alpha val="35000"/>
+              </a:srgbClr>
+            </a:outerShdw>
+          </a:effectLst>
+        </a:effectStyle>
+        <a:effectStyle>
+          <a:effectLst>
+            <a:outerShdw blurRad="40000" dist="23000" dir="5400000" rotWithShape="0">
+              <a:srgbClr val="000000">
+                <a:alpha val="35000"/>
+              </a:srgbClr>
+            </a:outerShdw>
+          </a:effectLst>
+          <a:scene3d>
+            <a:camera prst="orthographicFront">
+              <a:rot lat="0" lon="0" rev="0"/>
+            </a:camera>
+            <a:lightRig rig="threePt" dir="t">
+              <a:rot lat="0" lon="0" rev="1200000"/>
+            </a:lightRig>
+          </a:scene3d>
+          <a:sp3d>
+            <a:bevelT w="63500" h="25400"/>
+          </a:sp3d>
+        </a:effectStyle>
+      </a:effectStyleLst>
+      <a:bgFillStyleLst>
+        <a:solidFill>
+          <a:schemeClr val="phClr"/>
+        </a:solidFill>
+        <a:gradFill rotWithShape="1">
+          <a:gsLst>
+            <a:gs pos="0">
+              <a:schemeClr val="phClr">
+                <a:tint val="40000"/>
+                <a:satMod val="350000"/>
+              </a:schemeClr>
+            </a:gs>
+            <a:gs pos="40000">
+              <a:schemeClr val="phClr">
+                <a:tint val="45000"/>
+                <a:shade val="99000"/>
+                <a:satMod val="350000"/>
+              </a:schemeClr>
+            </a:gs>
+            <a:gs pos="100000">
+              <a:schemeClr val="phClr">
+                <a:shade val="20000"/>
+                <a:satMod val="255000"/>
+              </a:schemeClr>
+            </a:gs>
+          </a:gsLst>
+          <a:path path="circle">
+            <a:fillToRect l="50000" t="-80000" r="50000" b="180000"/>
+          </a:path>
+        </a:gradFill>
+        <a:gradFill rotWithShape="1">
+          <a:gsLst>
+            <a:gs pos="0">
+              <a:schemeClr val="phClr">
+                <a:tint val="80000"/>
+                <a:satMod val="300000"/>
+              </a:schemeClr>
+            </a:gs>
+            <a:gs pos="100000">
+              <a:schemeClr val="phClr">
+                <a:shade val="30000"/>
+                <a:satMod val="200000"/>
+              </a:schemeClr>
+            </a:gs>
+          </a:gsLst>
+          <a:path path="circle">
+            <a:fillToRect l="50000" t="50000" r="50000" b="50000"/>
+          </a:path>
+        </a:gradFill>
+      </a:bgFillStyleLst>
+    </a:fmtScheme>
+  </a:themeElements>
+  <a:objectDefaults/>
+  <a:extraClrSchemeLst/>
+</a:theme>
 </file>